--- a/Session3/ppt/[TA3-1] Problem solving with Python.pptx
+++ b/Session3/ppt/[TA3-1] Problem solving with Python.pptx
@@ -129,7 +129,7 @@
   </p:defaultTextStyle>
   <p:extLst>
     <p:ext uri="{EFAFB233-063F-42B5-8137-9DF3F51BA10A}">
-      <p15:sldGuideLst xmlns="" xmlns:p15="http://schemas.microsoft.com/office/powerpoint/2012/main">
+      <p15:sldGuideLst xmlns:p15="http://schemas.microsoft.com/office/powerpoint/2012/main">
         <p15:guide id="1" orient="horz" pos="2160">
           <p15:clr>
             <a:srgbClr val="A4A3A4"/>
@@ -228,7 +228,7 @@
           <a:p>
             <a:fld id="{7A6B77AA-7177-4D50-AB49-C260886B6169}" type="datetimeFigureOut">
               <a:rPr lang="ko-KR" altLang="en-US" smtClean="0"/>
-              <a:t>2017-07-05</a:t>
+              <a:t>2017-09-25</a:t>
             </a:fld>
             <a:endParaRPr lang="ko-KR" altLang="en-US"/>
           </a:p>
@@ -677,7 +677,7 @@
           <a:p>
             <a:fld id="{1179C0B5-9E42-4E82-BD73-9C37117B84AF}" type="datetimeFigureOut">
               <a:rPr lang="ko-KR" altLang="en-US" smtClean="0"/>
-              <a:t>2017-07-05</a:t>
+              <a:t>2017-09-25</a:t>
             </a:fld>
             <a:endParaRPr lang="ko-KR" altLang="en-US"/>
           </a:p>
@@ -847,7 +847,7 @@
           <a:p>
             <a:fld id="{1179C0B5-9E42-4E82-BD73-9C37117B84AF}" type="datetimeFigureOut">
               <a:rPr lang="ko-KR" altLang="en-US" smtClean="0"/>
-              <a:t>2017-07-05</a:t>
+              <a:t>2017-09-25</a:t>
             </a:fld>
             <a:endParaRPr lang="ko-KR" altLang="en-US"/>
           </a:p>
@@ -1027,7 +1027,7 @@
           <a:p>
             <a:fld id="{1179C0B5-9E42-4E82-BD73-9C37117B84AF}" type="datetimeFigureOut">
               <a:rPr lang="ko-KR" altLang="en-US" smtClean="0"/>
-              <a:t>2017-07-05</a:t>
+              <a:t>2017-09-25</a:t>
             </a:fld>
             <a:endParaRPr lang="ko-KR" altLang="en-US"/>
           </a:p>
@@ -1197,7 +1197,7 @@
           <a:p>
             <a:fld id="{1179C0B5-9E42-4E82-BD73-9C37117B84AF}" type="datetimeFigureOut">
               <a:rPr lang="ko-KR" altLang="en-US" smtClean="0"/>
-              <a:t>2017-07-05</a:t>
+              <a:t>2017-09-25</a:t>
             </a:fld>
             <a:endParaRPr lang="ko-KR" altLang="en-US"/>
           </a:p>
@@ -1443,7 +1443,7 @@
           <a:p>
             <a:fld id="{1179C0B5-9E42-4E82-BD73-9C37117B84AF}" type="datetimeFigureOut">
               <a:rPr lang="ko-KR" altLang="en-US" smtClean="0"/>
-              <a:t>2017-07-05</a:t>
+              <a:t>2017-09-25</a:t>
             </a:fld>
             <a:endParaRPr lang="ko-KR" altLang="en-US"/>
           </a:p>
@@ -1731,7 +1731,7 @@
           <a:p>
             <a:fld id="{1179C0B5-9E42-4E82-BD73-9C37117B84AF}" type="datetimeFigureOut">
               <a:rPr lang="ko-KR" altLang="en-US" smtClean="0"/>
-              <a:t>2017-07-05</a:t>
+              <a:t>2017-09-25</a:t>
             </a:fld>
             <a:endParaRPr lang="ko-KR" altLang="en-US"/>
           </a:p>
@@ -2153,7 +2153,7 @@
           <a:p>
             <a:fld id="{1179C0B5-9E42-4E82-BD73-9C37117B84AF}" type="datetimeFigureOut">
               <a:rPr lang="ko-KR" altLang="en-US" smtClean="0"/>
-              <a:t>2017-07-05</a:t>
+              <a:t>2017-09-25</a:t>
             </a:fld>
             <a:endParaRPr lang="ko-KR" altLang="en-US"/>
           </a:p>
@@ -2271,7 +2271,7 @@
           <a:p>
             <a:fld id="{1179C0B5-9E42-4E82-BD73-9C37117B84AF}" type="datetimeFigureOut">
               <a:rPr lang="ko-KR" altLang="en-US" smtClean="0"/>
-              <a:t>2017-07-05</a:t>
+              <a:t>2017-09-25</a:t>
             </a:fld>
             <a:endParaRPr lang="ko-KR" altLang="en-US"/>
           </a:p>
@@ -2366,7 +2366,7 @@
           <a:p>
             <a:fld id="{1179C0B5-9E42-4E82-BD73-9C37117B84AF}" type="datetimeFigureOut">
               <a:rPr lang="ko-KR" altLang="en-US" smtClean="0"/>
-              <a:t>2017-07-05</a:t>
+              <a:t>2017-09-25</a:t>
             </a:fld>
             <a:endParaRPr lang="ko-KR" altLang="en-US"/>
           </a:p>
@@ -2643,7 +2643,7 @@
           <a:p>
             <a:fld id="{1179C0B5-9E42-4E82-BD73-9C37117B84AF}" type="datetimeFigureOut">
               <a:rPr lang="ko-KR" altLang="en-US" smtClean="0"/>
-              <a:t>2017-07-05</a:t>
+              <a:t>2017-09-25</a:t>
             </a:fld>
             <a:endParaRPr lang="ko-KR" altLang="en-US"/>
           </a:p>
@@ -2896,7 +2896,7 @@
           <a:p>
             <a:fld id="{1179C0B5-9E42-4E82-BD73-9C37117B84AF}" type="datetimeFigureOut">
               <a:rPr lang="ko-KR" altLang="en-US" smtClean="0"/>
-              <a:t>2017-07-05</a:t>
+              <a:t>2017-09-25</a:t>
             </a:fld>
             <a:endParaRPr lang="ko-KR" altLang="en-US"/>
           </a:p>
@@ -3109,7 +3109,7 @@
           <a:p>
             <a:fld id="{1179C0B5-9E42-4E82-BD73-9C37117B84AF}" type="datetimeFigureOut">
               <a:rPr lang="ko-KR" altLang="en-US" smtClean="0"/>
-              <a:t>2017-07-05</a:t>
+              <a:t>2017-09-25</a:t>
             </a:fld>
             <a:endParaRPr lang="ko-KR" altLang="en-US"/>
           </a:p>
@@ -3648,76 +3648,6 @@
       </p:sp>
       <p:sp>
         <p:nvSpPr>
-          <p:cNvPr id="6" name="TextBox 5"/>
-          <p:cNvSpPr txBox="1"/>
-          <p:nvPr/>
-        </p:nvSpPr>
-        <p:spPr>
-          <a:xfrm>
-            <a:off x="854185" y="3510300"/>
-            <a:ext cx="1402948" cy="369332"/>
-          </a:xfrm>
-          <a:prstGeom prst="rect">
-            <a:avLst/>
-          </a:prstGeom>
-          <a:noFill/>
-        </p:spPr>
-        <p:txBody>
-          <a:bodyPr wrap="none" rtlCol="0">
-            <a:spAutoFit/>
-          </a:bodyPr>
-          <a:lstStyle/>
-          <a:p>
-            <a:r>
-              <a:rPr lang="ko-KR" altLang="en-US" dirty="0" smtClean="0">
-                <a:gradFill>
-                  <a:gsLst>
-                    <a:gs pos="0">
-                      <a:schemeClr val="tx1">
-                        <a:lumMod val="65000"/>
-                        <a:lumOff val="35000"/>
-                      </a:schemeClr>
-                    </a:gs>
-                    <a:gs pos="100000">
-                      <a:schemeClr val="tx1">
-                        <a:lumMod val="65000"/>
-                        <a:lumOff val="35000"/>
-                      </a:schemeClr>
-                    </a:gs>
-                  </a:gsLst>
-                  <a:lin ang="5400000" scaled="0"/>
-                </a:gradFill>
-                <a:latin typeface="Arial" pitchFamily="34" charset="0"/>
-                <a:cs typeface="Arial" pitchFamily="34" charset="0"/>
-              </a:rPr>
-              <a:t>박진수 교수</a:t>
-            </a:r>
-            <a:endParaRPr lang="ko-KR" altLang="en-US" dirty="0">
-              <a:gradFill>
-                <a:gsLst>
-                  <a:gs pos="0">
-                    <a:schemeClr val="tx1">
-                      <a:lumMod val="65000"/>
-                      <a:lumOff val="35000"/>
-                    </a:schemeClr>
-                  </a:gs>
-                  <a:gs pos="100000">
-                    <a:schemeClr val="tx1">
-                      <a:lumMod val="65000"/>
-                      <a:lumOff val="35000"/>
-                    </a:schemeClr>
-                  </a:gs>
-                </a:gsLst>
-                <a:lin ang="5400000" scaled="0"/>
-              </a:gradFill>
-              <a:latin typeface="Arial" pitchFamily="34" charset="0"/>
-              <a:cs typeface="Arial" pitchFamily="34" charset="0"/>
-            </a:endParaRPr>
-          </a:p>
-        </p:txBody>
-      </p:sp>
-      <p:sp>
-        <p:nvSpPr>
           <p:cNvPr id="7" name="TextBox 6"/>
           <p:cNvSpPr txBox="1"/>
           <p:nvPr/>
@@ -9367,32 +9297,7 @@
                 <a:cs typeface="Arial" pitchFamily="34" charset="0"/>
                 <a:hlinkClick r:id="rId2"/>
               </a:rPr>
-              <a:t>http</a:t>
-            </a:r>
-            <a:r>
-              <a:rPr lang="en-US" altLang="ko-KR" sz="1400">
-                <a:gradFill>
-                  <a:gsLst>
-                    <a:gs pos="0">
-                      <a:schemeClr val="tx1">
-                        <a:lumMod val="65000"/>
-                        <a:lumOff val="35000"/>
-                      </a:schemeClr>
-                    </a:gs>
-                    <a:gs pos="100000">
-                      <a:schemeClr val="tx1">
-                        <a:lumMod val="65000"/>
-                        <a:lumOff val="35000"/>
-                      </a:schemeClr>
-                    </a:gs>
-                  </a:gsLst>
-                  <a:lin ang="5400000" scaled="0"/>
-                </a:gradFill>
-                <a:latin typeface="Arial" pitchFamily="34" charset="0"/>
-                <a:cs typeface="Arial" pitchFamily="34" charset="0"/>
-                <a:hlinkClick r:id="rId2"/>
-              </a:rPr>
-              <a:t>://</a:t>
+              <a:t>http://</a:t>
             </a:r>
             <a:r>
               <a:rPr lang="en-US" altLang="ko-KR" sz="1400" smtClean="0">
@@ -9750,21 +9655,6 @@
               </a:rPr>
               <a:t>점수 바꾸기</a:t>
             </a:r>
-            <a:endParaRPr lang="ko-KR" altLang="en-US" sz="2400" b="1" dirty="0">
-              <a:gradFill>
-                <a:gsLst>
-                  <a:gs pos="0">
-                    <a:srgbClr val="339966"/>
-                  </a:gs>
-                  <a:gs pos="100000">
-                    <a:srgbClr val="339966"/>
-                  </a:gs>
-                </a:gsLst>
-                <a:lin ang="5400000" scaled="0"/>
-              </a:gradFill>
-              <a:latin typeface="Arial" pitchFamily="34" charset="0"/>
-              <a:cs typeface="Arial" pitchFamily="34" charset="0"/>
-            </a:endParaRPr>
           </a:p>
         </p:txBody>
       </p:sp>
@@ -12593,21 +12483,6 @@
               </a:rPr>
               <a:t>점수 바꾸기</a:t>
             </a:r>
-            <a:endParaRPr lang="ko-KR" altLang="en-US" sz="2400" b="1" dirty="0">
-              <a:gradFill>
-                <a:gsLst>
-                  <a:gs pos="0">
-                    <a:srgbClr val="339966"/>
-                  </a:gs>
-                  <a:gs pos="100000">
-                    <a:srgbClr val="339966"/>
-                  </a:gs>
-                </a:gsLst>
-                <a:lin ang="5400000" scaled="0"/>
-              </a:gradFill>
-              <a:latin typeface="Arial" pitchFamily="34" charset="0"/>
-              <a:cs typeface="Arial" pitchFamily="34" charset="0"/>
-            </a:endParaRPr>
           </a:p>
         </p:txBody>
       </p:sp>
@@ -14846,21 +14721,6 @@
               </a:rPr>
               <a:t>퀴즈</a:t>
             </a:r>
-            <a:endParaRPr lang="ko-KR" altLang="en-US" sz="2400" b="1" dirty="0">
-              <a:gradFill>
-                <a:gsLst>
-                  <a:gs pos="0">
-                    <a:srgbClr val="339966"/>
-                  </a:gs>
-                  <a:gs pos="100000">
-                    <a:srgbClr val="339966"/>
-                  </a:gs>
-                </a:gsLst>
-                <a:lin ang="5400000" scaled="0"/>
-              </a:gradFill>
-              <a:latin typeface="Arial" pitchFamily="34" charset="0"/>
-              <a:cs typeface="Arial" pitchFamily="34" charset="0"/>
-            </a:endParaRPr>
           </a:p>
         </p:txBody>
       </p:sp>
@@ -15427,21 +15287,6 @@
               </a:rPr>
               <a:t>퀴즈</a:t>
             </a:r>
-            <a:endParaRPr lang="ko-KR" altLang="en-US" sz="2400" b="1" dirty="0">
-              <a:gradFill>
-                <a:gsLst>
-                  <a:gs pos="0">
-                    <a:srgbClr val="339966"/>
-                  </a:gs>
-                  <a:gs pos="100000">
-                    <a:srgbClr val="339966"/>
-                  </a:gs>
-                </a:gsLst>
-                <a:lin ang="5400000" scaled="0"/>
-              </a:gradFill>
-              <a:latin typeface="Arial" pitchFamily="34" charset="0"/>
-              <a:cs typeface="Arial" pitchFamily="34" charset="0"/>
-            </a:endParaRPr>
           </a:p>
         </p:txBody>
       </p:sp>
@@ -20120,21 +19965,6 @@
               </a:rPr>
               <a:t>일곱 난쟁이</a:t>
             </a:r>
-            <a:endParaRPr lang="ko-KR" altLang="en-US" sz="2400" b="1" dirty="0">
-              <a:gradFill>
-                <a:gsLst>
-                  <a:gs pos="0">
-                    <a:srgbClr val="339966"/>
-                  </a:gs>
-                  <a:gs pos="100000">
-                    <a:srgbClr val="339966"/>
-                  </a:gs>
-                </a:gsLst>
-                <a:lin ang="5400000" scaled="0"/>
-              </a:gradFill>
-              <a:latin typeface="Arial" pitchFamily="34" charset="0"/>
-              <a:cs typeface="Arial" pitchFamily="34" charset="0"/>
-            </a:endParaRPr>
           </a:p>
         </p:txBody>
       </p:sp>
@@ -20894,21 +20724,6 @@
               </a:rPr>
               <a:t>일곱 난쟁이</a:t>
             </a:r>
-            <a:endParaRPr lang="ko-KR" altLang="en-US" sz="2400" b="1" dirty="0">
-              <a:gradFill>
-                <a:gsLst>
-                  <a:gs pos="0">
-                    <a:srgbClr val="339966"/>
-                  </a:gs>
-                  <a:gs pos="100000">
-                    <a:srgbClr val="339966"/>
-                  </a:gs>
-                </a:gsLst>
-                <a:lin ang="5400000" scaled="0"/>
-              </a:gradFill>
-              <a:latin typeface="Arial" pitchFamily="34" charset="0"/>
-              <a:cs typeface="Arial" pitchFamily="34" charset="0"/>
-            </a:endParaRPr>
           </a:p>
         </p:txBody>
       </p:sp>
@@ -26541,25 +26356,7 @@
                 <a:latin typeface="Arial" pitchFamily="34" charset="0"/>
                 <a:cs typeface="Arial" pitchFamily="34" charset="0"/>
               </a:rPr>
-              <a:t>3-1-2. </a:t>
-            </a:r>
-            <a:r>
-              <a:rPr lang="en-US" altLang="ko-KR" sz="2400" b="1" dirty="0" smtClean="0">
-                <a:gradFill>
-                  <a:gsLst>
-                    <a:gs pos="0">
-                      <a:srgbClr val="339966"/>
-                    </a:gs>
-                    <a:gs pos="100000">
-                      <a:srgbClr val="339966"/>
-                    </a:gs>
-                  </a:gsLst>
-                  <a:lin ang="5400000" scaled="0"/>
-                </a:gradFill>
-                <a:latin typeface="Arial" pitchFamily="34" charset="0"/>
-                <a:cs typeface="Arial" pitchFamily="34" charset="0"/>
-              </a:rPr>
-              <a:t>10</a:t>
+              <a:t>3-1-2. 10</a:t>
             </a:r>
             <a:r>
               <a:rPr lang="ko-KR" altLang="en-US" sz="2400" b="1" dirty="0" smtClean="0">
@@ -28222,25 +28019,7 @@
                 <a:latin typeface="Arial" pitchFamily="34" charset="0"/>
                 <a:cs typeface="Arial" pitchFamily="34" charset="0"/>
               </a:rPr>
-              <a:t>3-1-2. </a:t>
-            </a:r>
-            <a:r>
-              <a:rPr lang="en-US" altLang="ko-KR" sz="2400" b="1" dirty="0" smtClean="0">
-                <a:gradFill>
-                  <a:gsLst>
-                    <a:gs pos="0">
-                      <a:srgbClr val="339966"/>
-                    </a:gs>
-                    <a:gs pos="100000">
-                      <a:srgbClr val="339966"/>
-                    </a:gs>
-                  </a:gsLst>
-                  <a:lin ang="5400000" scaled="0"/>
-                </a:gradFill>
-                <a:latin typeface="Arial" pitchFamily="34" charset="0"/>
-                <a:cs typeface="Arial" pitchFamily="34" charset="0"/>
-              </a:rPr>
-              <a:t>10</a:t>
+              <a:t>3-1-2. 10</a:t>
             </a:r>
             <a:r>
               <a:rPr lang="ko-KR" altLang="en-US" sz="2400" b="1" dirty="0" smtClean="0">
@@ -28413,31 +28192,7 @@
                 <a:latin typeface="Arial" pitchFamily="34" charset="0"/>
                 <a:cs typeface="Arial" pitchFamily="34" charset="0"/>
               </a:rPr>
-              <a:t> </a:t>
-            </a:r>
-            <a:r>
-              <a:rPr lang="en-US" altLang="ko-KR" sz="1400" dirty="0" smtClean="0">
-                <a:gradFill>
-                  <a:gsLst>
-                    <a:gs pos="0">
-                      <a:schemeClr val="tx1">
-                        <a:lumMod val="65000"/>
-                        <a:lumOff val="35000"/>
-                      </a:schemeClr>
-                    </a:gs>
-                    <a:gs pos="100000">
-                      <a:schemeClr val="tx1">
-                        <a:lumMod val="65000"/>
-                        <a:lumOff val="35000"/>
-                      </a:schemeClr>
-                    </a:gs>
-                  </a:gsLst>
-                  <a:lin ang="5400000" scaled="0"/>
-                </a:gradFill>
-                <a:latin typeface="Arial" pitchFamily="34" charset="0"/>
-                <a:cs typeface="Arial" pitchFamily="34" charset="0"/>
-              </a:rPr>
-              <a:t>TIP</a:t>
+              <a:t> TIP</a:t>
             </a:r>
             <a:endParaRPr lang="ko-KR" altLang="en-US" sz="1400" dirty="0">
               <a:gradFill>
